--- a/Resources/csci-4712-week12.pptx
+++ b/Resources/csci-4712-week12.pptx
@@ -6695,7 +6695,7 @@
           <a:p>
             <a:r>
               <a:rPr lang="en-US" sz="1800" dirty="0"/>
-              <a:t>CSCI 4712: Senior Capstone Week 10</a:t>
+              <a:t>CSCI 4712: Senior Capstone Week 12</a:t>
             </a:r>
             <a:endParaRPr lang="en-US" dirty="0"/>
           </a:p>
